--- a/Slides/UFCD 0789- FJAVA (Inicial)/Apres/Apresentação.pptx
+++ b/Slides/UFCD 0789- FJAVA (Inicial)/Apres/Apresentação.pptx
@@ -278,7 +278,7 @@
               <a:pPr>
                 <a:defRPr/>
               </a:pPr>
-              <a:t>14/09/2021</a:t>
+              <a:t>15/09/2021</a:t>
             </a:fld>
             <a:endParaRPr lang="pt-PT"/>
           </a:p>
@@ -6929,7 +6929,6 @@
               <a:rPr lang="pt-PT" sz="1400" dirty="0" smtClean="0"/>
               <a:t>Código fonte</a:t>
             </a:r>
-            <a:endParaRPr lang="pt-PT" sz="1400" dirty="0" smtClean="0"/>
           </a:p>
           <a:p>
             <a:pPr algn="ctr"/>
@@ -10880,7 +10879,7 @@
         <p:spPr>
           <a:xfrm>
             <a:off x="827584" y="1128286"/>
-            <a:ext cx="7416824" cy="2308324"/>
+            <a:ext cx="7416824" cy="3231654"/>
           </a:xfrm>
           <a:prstGeom prst="rect">
             <a:avLst/>
@@ -11030,6 +11029,34 @@
               </a:rPr>
               <a:t>Community</a:t>
             </a:r>
+            <a:endParaRPr lang="pt-PT" sz="2000" b="1" dirty="0" smtClean="0"/>
+          </a:p>
+          <a:p>
+            <a:pPr marL="342900" indent="-342900">
+              <a:buFont typeface="Arial" panose="020B0604020202020204" pitchFamily="34" charset="0"/>
+              <a:buChar char="•"/>
+            </a:pPr>
+            <a:endParaRPr lang="pt-PT" sz="2000" b="1" dirty="0"/>
+          </a:p>
+          <a:p>
+            <a:pPr marL="342900" indent="-342900">
+              <a:buFont typeface="Arial" panose="020B0604020202020204" pitchFamily="34" charset="0"/>
+              <a:buChar char="•"/>
+            </a:pPr>
+            <a:r>
+              <a:rPr lang="pt-PT" sz="2000" b="1" dirty="0" err="1" smtClean="0"/>
+              <a:t>Variaveis</a:t>
+            </a:r>
+            <a:r>
+              <a:rPr lang="pt-PT" sz="2000" b="1" dirty="0" smtClean="0"/>
+              <a:t> de Ambiente</a:t>
+            </a:r>
+          </a:p>
+          <a:p>
+            <a:pPr marL="342900" indent="-342900">
+              <a:buFont typeface="Arial" panose="020B0604020202020204" pitchFamily="34" charset="0"/>
+              <a:buChar char="•"/>
+            </a:pPr>
             <a:endParaRPr lang="pt-PT" sz="2000" dirty="0" smtClean="0"/>
           </a:p>
         </p:txBody>
@@ -11481,8 +11508,9 @@
             </a:pPr>
             <a:r>
               <a:rPr lang="pt-PT" sz="2000" dirty="0" smtClean="0"/>
-              <a:t>GitHub</a:t>
-            </a:r>
+              <a:t>GitHub – efetuar registo</a:t>
+            </a:r>
+            <a:endParaRPr lang="pt-PT" sz="2000" dirty="0" smtClean="0"/>
           </a:p>
           <a:p>
             <a:pPr marL="800100" lvl="1" indent="-342900">
